--- a/doc/WTCRM系统简介.pptx
+++ b/doc/WTCRM系统简介.pptx
@@ -4659,7 +4659,7 @@
         <p:spPr>
           <a:xfrm>
             <a:off x="2319338" y="4451350"/>
-            <a:ext cx="3149600" cy="518160"/>
+            <a:ext cx="3149600" cy="481330"/>
           </a:xfrm>
           <a:prstGeom prst="rect">
             <a:avLst/>
@@ -4793,7 +4793,15 @@
                   <a:schemeClr val="bg1"/>
                 </a:solidFill>
               </a:rPr>
-              <a:t>南向协议</a:t>
+              <a:t>南向接口</a:t>
+            </a:r>
+            <a:r>
+              <a:rPr lang="zh-CN" dirty="0">
+                <a:solidFill>
+                  <a:schemeClr val="bg1"/>
+                </a:solidFill>
+              </a:rPr>
+              <a:t>协议</a:t>
             </a:r>
             <a:endParaRPr lang="zh-CN" dirty="0">
               <a:solidFill>
